--- a/Data Engineer Presentation.pptx
+++ b/Data Engineer Presentation.pptx
@@ -5,10 +5,10 @@
     <p:sldMasterId id="2147483648" r:id="rId1"/>
   </p:sldMasterIdLst>
   <p:notesMasterIdLst>
-    <p:notesMasterId r:id="rId25"/>
+    <p:notesMasterId r:id="rId24"/>
   </p:notesMasterIdLst>
   <p:handoutMasterIdLst>
-    <p:handoutMasterId r:id="rId26"/>
+    <p:handoutMasterId r:id="rId25"/>
   </p:handoutMasterIdLst>
   <p:sldIdLst>
     <p:sldId id="256" r:id="rId2"/>
@@ -16,24 +16,23 @@
     <p:sldId id="258" r:id="rId4"/>
     <p:sldId id="259" r:id="rId5"/>
     <p:sldId id="260" r:id="rId6"/>
-    <p:sldId id="269" r:id="rId7"/>
-    <p:sldId id="261" r:id="rId8"/>
-    <p:sldId id="270" r:id="rId9"/>
-    <p:sldId id="271" r:id="rId10"/>
-    <p:sldId id="272" r:id="rId11"/>
-    <p:sldId id="273" r:id="rId12"/>
-    <p:sldId id="274" r:id="rId13"/>
-    <p:sldId id="275" r:id="rId14"/>
-    <p:sldId id="276" r:id="rId15"/>
-    <p:sldId id="263" r:id="rId16"/>
-    <p:sldId id="277" r:id="rId17"/>
-    <p:sldId id="266" r:id="rId18"/>
-    <p:sldId id="267" r:id="rId19"/>
-    <p:sldId id="278" r:id="rId20"/>
-    <p:sldId id="279" r:id="rId21"/>
-    <p:sldId id="280" r:id="rId22"/>
-    <p:sldId id="281" r:id="rId23"/>
-    <p:sldId id="282" r:id="rId24"/>
+    <p:sldId id="261" r:id="rId7"/>
+    <p:sldId id="270" r:id="rId8"/>
+    <p:sldId id="271" r:id="rId9"/>
+    <p:sldId id="272" r:id="rId10"/>
+    <p:sldId id="273" r:id="rId11"/>
+    <p:sldId id="274" r:id="rId12"/>
+    <p:sldId id="275" r:id="rId13"/>
+    <p:sldId id="276" r:id="rId14"/>
+    <p:sldId id="263" r:id="rId15"/>
+    <p:sldId id="277" r:id="rId16"/>
+    <p:sldId id="266" r:id="rId17"/>
+    <p:sldId id="267" r:id="rId18"/>
+    <p:sldId id="278" r:id="rId19"/>
+    <p:sldId id="279" r:id="rId20"/>
+    <p:sldId id="280" r:id="rId21"/>
+    <p:sldId id="281" r:id="rId22"/>
+    <p:sldId id="282" r:id="rId23"/>
   </p:sldIdLst>
   <p:sldSz cx="9144000" cy="6858000" type="screen4x3"/>
   <p:notesSz cx="6858000" cy="9144000"/>
@@ -2962,20 +2961,50 @@
           <a:p>
             <a:r>
               <a:rPr lang="en-US" sz="2000" dirty="0"/>
-              <a:t>A manual(label encoding of 0 and 1) encoding was done for the features that had the binary values (like yes and no)</a:t>
-            </a:r>
-          </a:p>
-          <a:p>
+              <a:t>Normalize our numerical attributes (which are 3 attributes)  using the </a:t>
+            </a:r>
+            <a:r>
+              <a:rPr lang="en-US" sz="2000" dirty="0" err="1"/>
+              <a:t>MinMaxScaler</a:t>
+            </a:r>
             <a:r>
               <a:rPr lang="en-US" sz="2000" dirty="0"/>
-              <a:t/>
-            </a:r>
-            <a:br>
+              <a:t> function. As there is a difference between those values</a:t>
+            </a:r>
+          </a:p>
+          <a:p>
+            <a:r>
               <a:rPr lang="en-US" sz="2000" dirty="0"/>
-            </a:br>
-            <a:r>
-              <a:rPr lang="en-US" sz="2000" dirty="0"/>
-              <a:t>Apply One Hot Encoding for all other attributes</a:t>
+              <a:t>The features that are normalized:</a:t>
+            </a:r>
+          </a:p>
+          <a:p>
+            <a:pPr lvl="1"/>
+            <a:r>
+              <a:rPr lang="en-US" sz="1200" b="0" dirty="0"/>
+              <a:t>TotalCustomerDeposits: where min value is 0, and max value is 1145401.833</a:t>
+            </a:r>
+          </a:p>
+          <a:p>
+            <a:pPr lvl="1"/>
+            <a:r>
+              <a:rPr lang="en-US" sz="1200" b="0" dirty="0" err="1"/>
+              <a:t>ApprovedAmountEQVL</a:t>
+            </a:r>
+            <a:r>
+              <a:rPr lang="en-US" sz="1200" b="0" dirty="0"/>
+              <a:t>: where min value is -28609.003(negative means that they had a large amount of deposit) , and max value is 820000.0</a:t>
+            </a:r>
+          </a:p>
+          <a:p>
+            <a:pPr lvl="1"/>
+            <a:r>
+              <a:rPr lang="en-US" sz="1200" b="0" dirty="0" err="1"/>
+              <a:t>TenorInMonths</a:t>
+            </a:r>
+            <a:r>
+              <a:rPr lang="en-US" sz="1200" b="0" dirty="0"/>
+              <a:t>: where min value is 2, and max value is 371</a:t>
             </a:r>
           </a:p>
           <a:p>
@@ -2991,7 +3020,7 @@
     </p:spTree>
     <p:extLst>
       <p:ext uri="{BB962C8B-B14F-4D97-AF65-F5344CB8AC3E}">
-        <p14:creationId xmlns:p14="http://schemas.microsoft.com/office/powerpoint/2010/main" val="3522891338"/>
+        <p14:creationId xmlns:p14="http://schemas.microsoft.com/office/powerpoint/2010/main" val="1923073896"/>
       </p:ext>
     </p:extLst>
   </p:cSld>
@@ -3086,50 +3115,20 @@
           <a:p>
             <a:r>
               <a:rPr lang="en-US" sz="2000" dirty="0"/>
-              <a:t>Normalize our numerical attributes (which are 3 attributes)  using the </a:t>
-            </a:r>
-            <a:r>
-              <a:rPr lang="en-US" sz="2000" dirty="0" err="1"/>
-              <a:t>MinMaxScaler</a:t>
-            </a:r>
+              <a:t>As we are working on imbalanced data, one of the methods to be used to train the models when there an imbalanced data case is by balancing the training set</a:t>
+            </a:r>
+          </a:p>
+          <a:p>
             <a:r>
               <a:rPr lang="en-US" sz="2000" dirty="0"/>
-              <a:t> function. As there is a difference between those values</a:t>
-            </a:r>
-          </a:p>
-          <a:p>
-            <a:r>
+              <a:t/>
+            </a:r>
+            <a:br>
               <a:rPr lang="en-US" sz="2000" dirty="0"/>
-              <a:t>The features that are normalized:</a:t>
-            </a:r>
-          </a:p>
-          <a:p>
-            <a:pPr lvl="1"/>
-            <a:r>
-              <a:rPr lang="en-US" sz="1200" b="0" dirty="0"/>
-              <a:t>TotalCustomerDeposits: where min value is 0, and max value is 1145401.833</a:t>
-            </a:r>
-          </a:p>
-          <a:p>
-            <a:pPr lvl="1"/>
-            <a:r>
-              <a:rPr lang="en-US" sz="1200" b="0" dirty="0" err="1"/>
-              <a:t>ApprovedAmountEQVL</a:t>
-            </a:r>
-            <a:r>
-              <a:rPr lang="en-US" sz="1200" b="0" dirty="0"/>
-              <a:t>: where min value is -28609.003(negative means that they had a large amount of deposit) , and max value is 820000.0</a:t>
-            </a:r>
-          </a:p>
-          <a:p>
-            <a:pPr lvl="1"/>
-            <a:r>
-              <a:rPr lang="en-US" sz="1200" b="0" dirty="0" err="1"/>
-              <a:t>TenorInMonths</a:t>
-            </a:r>
-            <a:r>
-              <a:rPr lang="en-US" sz="1200" b="0" dirty="0"/>
-              <a:t>: where min value is 2, and max value is 371</a:t>
+            </a:br>
+            <a:r>
+              <a:rPr lang="en-US" sz="2000" dirty="0"/>
+              <a:t>The SMOTE (Synthetic Minority Oversampling Technique) is used to balance the training set so that this set can be used to train the model, and then the test set of the original data is used for testing the model.</a:t>
             </a:r>
           </a:p>
           <a:p>
@@ -3145,7 +3144,7 @@
     </p:spTree>
     <p:extLst>
       <p:ext uri="{BB962C8B-B14F-4D97-AF65-F5344CB8AC3E}">
-        <p14:creationId xmlns:p14="http://schemas.microsoft.com/office/powerpoint/2010/main" val="1923073896"/>
+        <p14:creationId xmlns:p14="http://schemas.microsoft.com/office/powerpoint/2010/main" val="1482785505"/>
       </p:ext>
     </p:extLst>
   </p:cSld>
@@ -3164,7 +3163,7 @@
 </file>
 
 <file path=ppt/slides/slide12.xml><?xml version="1.0" encoding="utf-8"?>
-<p:sld xmlns:a="http://schemas.openxmlformats.org/drawingml/2006/main" xmlns:r="http://schemas.openxmlformats.org/officeDocument/2006/relationships" xmlns:p="http://schemas.openxmlformats.org/presentationml/2006/main" show="0">
+<p:sld xmlns:a="http://schemas.openxmlformats.org/drawingml/2006/main" xmlns:r="http://schemas.openxmlformats.org/officeDocument/2006/relationships" xmlns:p="http://schemas.openxmlformats.org/presentationml/2006/main">
   <p:cSld>
     <p:spTree>
       <p:nvGrpSpPr>
@@ -3207,7 +3206,7 @@
                 </a:solidFill>
                 <a:latin typeface="Tahoma" charset="0"/>
               </a:rPr>
-              <a:t>Data preprocessing</a:t>
+              <a:t>Tools used</a:t>
             </a:r>
             <a:endParaRPr lang="uk-UA" sz="3200" b="1" dirty="0">
               <a:solidFill>
@@ -3238,25 +3237,6 @@
           <a:bodyPr/>
           <a:lstStyle/>
           <a:p>
-            <a:r>
-              <a:rPr lang="en-US" sz="2000" dirty="0"/>
-              <a:t>As we are working on imbalanced data, one of the methods to be used to train the models when there an imbalanced data case is by balancing the training set</a:t>
-            </a:r>
-          </a:p>
-          <a:p>
-            <a:r>
-              <a:rPr lang="en-US" sz="2000" dirty="0"/>
-              <a:t/>
-            </a:r>
-            <a:br>
-              <a:rPr lang="en-US" sz="2000" dirty="0"/>
-            </a:br>
-            <a:r>
-              <a:rPr lang="en-US" sz="2000" dirty="0"/>
-              <a:t>The SMOTE (Synthetic Minority Oversampling Technique) is used to balance the training set so that this set can be used to train the model, and then the test set of the original data is used for testing the model.</a:t>
-            </a:r>
-          </a:p>
-          <a:p>
             <a:pPr>
               <a:lnSpc>
                 <a:spcPct val="80000"/>
@@ -3266,10 +3246,40 @@
           </a:p>
         </p:txBody>
       </p:sp>
+      <p:pic>
+        <p:nvPicPr>
+          <p:cNvPr id="2" name="Picture 1"/>
+          <p:cNvPicPr>
+            <a:picLocks noChangeAspect="1"/>
+          </p:cNvPicPr>
+          <p:nvPr/>
+        </p:nvPicPr>
+        <p:blipFill>
+          <a:blip r:embed="rId2">
+            <a:extLst>
+              <a:ext uri="{28A0092B-C50C-407E-A947-70E740481C1C}">
+                <a14:useLocalDpi xmlns:a14="http://schemas.microsoft.com/office/drawing/2010/main" val="0"/>
+              </a:ext>
+            </a:extLst>
+          </a:blip>
+          <a:stretch>
+            <a:fillRect/>
+          </a:stretch>
+        </p:blipFill>
+        <p:spPr>
+          <a:xfrm>
+            <a:off x="539552" y="2466966"/>
+            <a:ext cx="8280598" cy="4274402"/>
+          </a:xfrm>
+          <a:prstGeom prst="rect">
+            <a:avLst/>
+          </a:prstGeom>
+        </p:spPr>
+      </p:pic>
     </p:spTree>
     <p:extLst>
       <p:ext uri="{BB962C8B-B14F-4D97-AF65-F5344CB8AC3E}">
-        <p14:creationId xmlns:p14="http://schemas.microsoft.com/office/powerpoint/2010/main" val="1482785505"/>
+        <p14:creationId xmlns:p14="http://schemas.microsoft.com/office/powerpoint/2010/main" val="733784539"/>
       </p:ext>
     </p:extLst>
   </p:cSld>
@@ -3342,38 +3352,9 @@
           </a:p>
         </p:txBody>
       </p:sp>
-      <p:sp>
-        <p:nvSpPr>
-          <p:cNvPr id="36867" name="Rectangle 3"/>
-          <p:cNvSpPr>
-            <a:spLocks noGrp="1" noChangeArrowheads="1"/>
-          </p:cNvSpPr>
-          <p:nvPr>
-            <p:ph type="body" idx="1"/>
-          </p:nvPr>
-        </p:nvSpPr>
-        <p:spPr>
-          <a:xfrm>
-            <a:off x="1187450" y="2492375"/>
-            <a:ext cx="7632700" cy="4105275"/>
-          </a:xfrm>
-        </p:spPr>
-        <p:txBody>
-          <a:bodyPr/>
-          <a:lstStyle/>
-          <a:p>
-            <a:pPr>
-              <a:lnSpc>
-                <a:spcPct val="80000"/>
-              </a:lnSpc>
-            </a:pPr>
-            <a:endParaRPr lang="uk-UA" sz="2000" dirty="0"/>
-          </a:p>
-        </p:txBody>
-      </p:sp>
       <p:pic>
         <p:nvPicPr>
-          <p:cNvPr id="2" name="Picture 1"/>
+          <p:cNvPr id="3" name="Picture 2"/>
           <p:cNvPicPr>
             <a:picLocks noChangeAspect="1"/>
           </p:cNvPicPr>
@@ -3393,8 +3374,8 @@
         </p:blipFill>
         <p:spPr>
           <a:xfrm>
-            <a:off x="539552" y="2466966"/>
-            <a:ext cx="8280598" cy="4274402"/>
+            <a:off x="1187450" y="2385646"/>
+            <a:ext cx="7632700" cy="2339498"/>
           </a:xfrm>
           <a:prstGeom prst="rect">
             <a:avLst/>
@@ -3404,7 +3385,7 @@
     </p:spTree>
     <p:extLst>
       <p:ext uri="{BB962C8B-B14F-4D97-AF65-F5344CB8AC3E}">
-        <p14:creationId xmlns:p14="http://schemas.microsoft.com/office/powerpoint/2010/main" val="733784539"/>
+        <p14:creationId xmlns:p14="http://schemas.microsoft.com/office/powerpoint/2010/main" val="2986490469"/>
       </p:ext>
     </p:extLst>
   </p:cSld>
@@ -3451,8 +3432,8 @@
         </p:nvSpPr>
         <p:spPr>
           <a:xfrm>
-            <a:off x="4067944" y="1628775"/>
-            <a:ext cx="4393431" cy="649288"/>
+            <a:off x="5508625" y="1628775"/>
+            <a:ext cx="2952750" cy="649288"/>
           </a:xfrm>
         </p:spPr>
         <p:txBody>
@@ -3460,13 +3441,13 @@
           <a:lstStyle/>
           <a:p>
             <a:r>
-              <a:rPr lang="en-US" sz="3200" b="1" dirty="0" smtClean="0">
+              <a:rPr lang="en-US" sz="3200" b="1" dirty="0" err="1" smtClean="0">
                 <a:solidFill>
                   <a:schemeClr val="bg2"/>
                 </a:solidFill>
                 <a:latin typeface="Tahoma" charset="0"/>
               </a:rPr>
-              <a:t>Tools used</a:t>
+              <a:t>Knime</a:t>
             </a:r>
             <a:endParaRPr lang="uk-UA" sz="3200" b="1" dirty="0">
               <a:solidFill>
@@ -3474,6 +3455,46 @@
               </a:solidFill>
               <a:latin typeface="Tahoma" charset="0"/>
             </a:endParaRPr>
+          </a:p>
+        </p:txBody>
+      </p:sp>
+      <p:sp>
+        <p:nvSpPr>
+          <p:cNvPr id="36867" name="Rectangle 3"/>
+          <p:cNvSpPr>
+            <a:spLocks noGrp="1" noChangeArrowheads="1"/>
+          </p:cNvSpPr>
+          <p:nvPr>
+            <p:ph type="body" idx="1"/>
+          </p:nvPr>
+        </p:nvSpPr>
+        <p:spPr>
+          <a:xfrm>
+            <a:off x="1187450" y="2492375"/>
+            <a:ext cx="7632700" cy="4105275"/>
+          </a:xfrm>
+        </p:spPr>
+        <p:txBody>
+          <a:bodyPr/>
+          <a:lstStyle/>
+          <a:p>
+            <a:pPr>
+              <a:lnSpc>
+                <a:spcPct val="80000"/>
+              </a:lnSpc>
+            </a:pPr>
+            <a:endParaRPr lang="en-US" altLang="ko-KR" sz="2000" dirty="0">
+              <a:latin typeface="Verdana" pitchFamily="34" charset="0"/>
+              <a:ea typeface="굴림" charset="-127"/>
+            </a:endParaRPr>
+          </a:p>
+          <a:p>
+            <a:pPr>
+              <a:lnSpc>
+                <a:spcPct val="80000"/>
+              </a:lnSpc>
+            </a:pPr>
+            <a:endParaRPr lang="uk-UA" sz="2000" dirty="0"/>
           </a:p>
         </p:txBody>
       </p:sp>
@@ -3499,8 +3520,8 @@
         </p:blipFill>
         <p:spPr>
           <a:xfrm>
-            <a:off x="1187450" y="2385646"/>
-            <a:ext cx="7632700" cy="2339498"/>
+            <a:off x="179512" y="2278063"/>
+            <a:ext cx="8712968" cy="4191000"/>
           </a:xfrm>
           <a:prstGeom prst="rect">
             <a:avLst/>
@@ -3510,21 +3531,13 @@
     </p:spTree>
     <p:extLst>
       <p:ext uri="{BB962C8B-B14F-4D97-AF65-F5344CB8AC3E}">
-        <p14:creationId xmlns:p14="http://schemas.microsoft.com/office/powerpoint/2010/main" val="2986490469"/>
+        <p14:creationId xmlns:p14="http://schemas.microsoft.com/office/powerpoint/2010/main" val="2643114720"/>
       </p:ext>
     </p:extLst>
   </p:cSld>
   <p:clrMapOvr>
     <a:masterClrMapping/>
   </p:clrMapOvr>
-  <mc:AlternateContent xmlns:mc="http://schemas.openxmlformats.org/markup-compatibility/2006">
-    <mc:Choice xmlns:p14="http://schemas.microsoft.com/office/powerpoint/2010/main" Requires="p14">
-      <p:transition spd="slow" p14:dur="2000"/>
-    </mc:Choice>
-    <mc:Fallback>
-      <p:transition spd="slow"/>
-    </mc:Fallback>
-  </mc:AlternateContent>
 </p:sld>
 </file>
 
@@ -3566,13 +3579,13 @@
           <a:lstStyle/>
           <a:p>
             <a:r>
-              <a:rPr lang="en-US" sz="3200" b="1" dirty="0" err="1" smtClean="0">
+              <a:rPr lang="en-US" sz="3200" b="1" dirty="0" smtClean="0">
                 <a:solidFill>
                   <a:schemeClr val="bg2"/>
                 </a:solidFill>
                 <a:latin typeface="Tahoma" charset="0"/>
               </a:rPr>
-              <a:t>Knime</a:t>
+              <a:t>Airflow</a:t>
             </a:r>
             <a:endParaRPr lang="uk-UA" sz="3200" b="1" dirty="0">
               <a:solidFill>
@@ -3625,7 +3638,7 @@
       </p:sp>
       <p:pic>
         <p:nvPicPr>
-          <p:cNvPr id="3" name="Picture 2"/>
+          <p:cNvPr id="2" name="Picture 1"/>
           <p:cNvPicPr>
             <a:picLocks noChangeAspect="1"/>
           </p:cNvPicPr>
@@ -3645,8 +3658,8 @@
         </p:blipFill>
         <p:spPr>
           <a:xfrm>
-            <a:off x="179512" y="2278063"/>
-            <a:ext cx="8712968" cy="4191000"/>
+            <a:off x="24874" y="2708920"/>
+            <a:ext cx="9144000" cy="3168352"/>
           </a:xfrm>
           <a:prstGeom prst="rect">
             <a:avLst/>
@@ -3656,7 +3669,7 @@
     </p:spTree>
     <p:extLst>
       <p:ext uri="{BB962C8B-B14F-4D97-AF65-F5344CB8AC3E}">
-        <p14:creationId xmlns:p14="http://schemas.microsoft.com/office/powerpoint/2010/main" val="2643114720"/>
+        <p14:creationId xmlns:p14="http://schemas.microsoft.com/office/powerpoint/2010/main" val="1536894976"/>
       </p:ext>
     </p:extLst>
   </p:cSld>
@@ -3710,7 +3723,7 @@
                 </a:solidFill>
                 <a:latin typeface="Tahoma" charset="0"/>
               </a:rPr>
-              <a:t>Airflow</a:t>
+              <a:t>Model Result</a:t>
             </a:r>
             <a:endParaRPr lang="uk-UA" sz="3200" b="1" dirty="0">
               <a:solidFill>
@@ -3783,8 +3796,8 @@
         </p:blipFill>
         <p:spPr>
           <a:xfrm>
-            <a:off x="24874" y="2708920"/>
-            <a:ext cx="9144000" cy="3168352"/>
+            <a:off x="0" y="2278062"/>
+            <a:ext cx="9144000" cy="4175273"/>
           </a:xfrm>
           <a:prstGeom prst="rect">
             <a:avLst/>
@@ -3794,7 +3807,7 @@
     </p:spTree>
     <p:extLst>
       <p:ext uri="{BB962C8B-B14F-4D97-AF65-F5344CB8AC3E}">
-        <p14:creationId xmlns:p14="http://schemas.microsoft.com/office/powerpoint/2010/main" val="1536894976"/>
+        <p14:creationId xmlns:p14="http://schemas.microsoft.com/office/powerpoint/2010/main" val="2406709550"/>
       </p:ext>
     </p:extLst>
   </p:cSld>
@@ -3833,8 +3846,8 @@
         </p:nvSpPr>
         <p:spPr>
           <a:xfrm>
-            <a:off x="5508625" y="1628775"/>
-            <a:ext cx="2952750" cy="649288"/>
+            <a:off x="4788024" y="1628775"/>
+            <a:ext cx="4032125" cy="649288"/>
           </a:xfrm>
         </p:spPr>
         <p:txBody>
@@ -3842,13 +3855,13 @@
           <a:lstStyle/>
           <a:p>
             <a:r>
-              <a:rPr lang="en-US" sz="3200" b="1" dirty="0" smtClean="0">
+              <a:rPr lang="en-US" sz="3200" b="1" dirty="0">
                 <a:solidFill>
                   <a:schemeClr val="bg2"/>
                 </a:solidFill>
                 <a:latin typeface="Tahoma" charset="0"/>
               </a:rPr>
-              <a:t>Model Result</a:t>
+              <a:t>Data visualization</a:t>
             </a:r>
             <a:endParaRPr lang="uk-UA" sz="3200" b="1" dirty="0">
               <a:solidFill>
@@ -3921,8 +3934,8 @@
         </p:blipFill>
         <p:spPr>
           <a:xfrm>
-            <a:off x="0" y="2278062"/>
-            <a:ext cx="9144000" cy="4175273"/>
+            <a:off x="1403648" y="2708920"/>
+            <a:ext cx="5912154" cy="3096344"/>
           </a:xfrm>
           <a:prstGeom prst="rect">
             <a:avLst/>
@@ -3932,7 +3945,7 @@
     </p:spTree>
     <p:extLst>
       <p:ext uri="{BB962C8B-B14F-4D97-AF65-F5344CB8AC3E}">
-        <p14:creationId xmlns:p14="http://schemas.microsoft.com/office/powerpoint/2010/main" val="2406709550"/>
+        <p14:creationId xmlns:p14="http://schemas.microsoft.com/office/powerpoint/2010/main" val="2629005756"/>
       </p:ext>
     </p:extLst>
   </p:cSld>
@@ -4039,7 +4052,7 @@
       </p:sp>
       <p:pic>
         <p:nvPicPr>
-          <p:cNvPr id="2" name="Picture 1"/>
+          <p:cNvPr id="3" name="Picture 2"/>
           <p:cNvPicPr>
             <a:picLocks noChangeAspect="1"/>
           </p:cNvPicPr>
@@ -4059,8 +4072,8 @@
         </p:blipFill>
         <p:spPr>
           <a:xfrm>
-            <a:off x="1403648" y="2708920"/>
-            <a:ext cx="5912154" cy="3096344"/>
+            <a:off x="1403648" y="2852936"/>
+            <a:ext cx="6264696" cy="3024336"/>
           </a:xfrm>
           <a:prstGeom prst="rect">
             <a:avLst/>
@@ -4070,7 +4083,7 @@
     </p:spTree>
     <p:extLst>
       <p:ext uri="{BB962C8B-B14F-4D97-AF65-F5344CB8AC3E}">
-        <p14:creationId xmlns:p14="http://schemas.microsoft.com/office/powerpoint/2010/main" val="2629005756"/>
+        <p14:creationId xmlns:p14="http://schemas.microsoft.com/office/powerpoint/2010/main" val="841436139"/>
       </p:ext>
     </p:extLst>
   </p:cSld>
@@ -4177,7 +4190,7 @@
       </p:sp>
       <p:pic>
         <p:nvPicPr>
-          <p:cNvPr id="3" name="Picture 2"/>
+          <p:cNvPr id="2" name="Picture 1"/>
           <p:cNvPicPr>
             <a:picLocks noChangeAspect="1"/>
           </p:cNvPicPr>
@@ -4197,8 +4210,8 @@
         </p:blipFill>
         <p:spPr>
           <a:xfrm>
-            <a:off x="1403648" y="2852936"/>
-            <a:ext cx="6264696" cy="3024336"/>
+            <a:off x="539552" y="2492375"/>
+            <a:ext cx="7956550" cy="3783374"/>
           </a:xfrm>
           <a:prstGeom prst="rect">
             <a:avLst/>
@@ -4208,7 +4221,7 @@
     </p:spTree>
     <p:extLst>
       <p:ext uri="{BB962C8B-B14F-4D97-AF65-F5344CB8AC3E}">
-        <p14:creationId xmlns:p14="http://schemas.microsoft.com/office/powerpoint/2010/main" val="841436139"/>
+        <p14:creationId xmlns:p14="http://schemas.microsoft.com/office/powerpoint/2010/main" val="1567762672"/>
       </p:ext>
     </p:extLst>
   </p:cSld>
@@ -4477,7 +4490,7 @@
       </p:sp>
       <p:pic>
         <p:nvPicPr>
-          <p:cNvPr id="2" name="Picture 1"/>
+          <p:cNvPr id="3" name="Picture 2"/>
           <p:cNvPicPr>
             <a:picLocks noChangeAspect="1"/>
           </p:cNvPicPr>
@@ -4497,8 +4510,8 @@
         </p:blipFill>
         <p:spPr>
           <a:xfrm>
-            <a:off x="539552" y="2492375"/>
-            <a:ext cx="7956550" cy="3783374"/>
+            <a:off x="1259632" y="2492374"/>
+            <a:ext cx="6624736" cy="3240882"/>
           </a:xfrm>
           <a:prstGeom prst="rect">
             <a:avLst/>
@@ -4508,7 +4521,7 @@
     </p:spTree>
     <p:extLst>
       <p:ext uri="{BB962C8B-B14F-4D97-AF65-F5344CB8AC3E}">
-        <p14:creationId xmlns:p14="http://schemas.microsoft.com/office/powerpoint/2010/main" val="1567762672"/>
+        <p14:creationId xmlns:p14="http://schemas.microsoft.com/office/powerpoint/2010/main" val="771959541"/>
       </p:ext>
     </p:extLst>
   </p:cSld>
@@ -4615,144 +4628,6 @@
       </p:sp>
       <p:pic>
         <p:nvPicPr>
-          <p:cNvPr id="3" name="Picture 2"/>
-          <p:cNvPicPr>
-            <a:picLocks noChangeAspect="1"/>
-          </p:cNvPicPr>
-          <p:nvPr/>
-        </p:nvPicPr>
-        <p:blipFill>
-          <a:blip r:embed="rId2">
-            <a:extLst>
-              <a:ext uri="{28A0092B-C50C-407E-A947-70E740481C1C}">
-                <a14:useLocalDpi xmlns:a14="http://schemas.microsoft.com/office/drawing/2010/main" val="0"/>
-              </a:ext>
-            </a:extLst>
-          </a:blip>
-          <a:stretch>
-            <a:fillRect/>
-          </a:stretch>
-        </p:blipFill>
-        <p:spPr>
-          <a:xfrm>
-            <a:off x="1259632" y="2492374"/>
-            <a:ext cx="6624736" cy="3240882"/>
-          </a:xfrm>
-          <a:prstGeom prst="rect">
-            <a:avLst/>
-          </a:prstGeom>
-        </p:spPr>
-      </p:pic>
-    </p:spTree>
-    <p:extLst>
-      <p:ext uri="{BB962C8B-B14F-4D97-AF65-F5344CB8AC3E}">
-        <p14:creationId xmlns:p14="http://schemas.microsoft.com/office/powerpoint/2010/main" val="771959541"/>
-      </p:ext>
-    </p:extLst>
-  </p:cSld>
-  <p:clrMapOvr>
-    <a:masterClrMapping/>
-  </p:clrMapOvr>
-</p:sld>
-</file>
-
-<file path=ppt/slides/slide22.xml><?xml version="1.0" encoding="utf-8"?>
-<p:sld xmlns:a="http://schemas.openxmlformats.org/drawingml/2006/main" xmlns:r="http://schemas.openxmlformats.org/officeDocument/2006/relationships" xmlns:p="http://schemas.openxmlformats.org/presentationml/2006/main">
-  <p:cSld>
-    <p:spTree>
-      <p:nvGrpSpPr>
-        <p:cNvPr id="1" name=""/>
-        <p:cNvGrpSpPr/>
-        <p:nvPr/>
-      </p:nvGrpSpPr>
-      <p:grpSpPr>
-        <a:xfrm>
-          <a:off x="0" y="0"/>
-          <a:ext cx="0" cy="0"/>
-          <a:chOff x="0" y="0"/>
-          <a:chExt cx="0" cy="0"/>
-        </a:xfrm>
-      </p:grpSpPr>
-      <p:sp>
-        <p:nvSpPr>
-          <p:cNvPr id="36866" name="Rectangle 2"/>
-          <p:cNvSpPr>
-            <a:spLocks noGrp="1" noChangeArrowheads="1"/>
-          </p:cNvSpPr>
-          <p:nvPr>
-            <p:ph type="title"/>
-          </p:nvPr>
-        </p:nvSpPr>
-        <p:spPr>
-          <a:xfrm>
-            <a:off x="4788024" y="1628775"/>
-            <a:ext cx="4032125" cy="649288"/>
-          </a:xfrm>
-        </p:spPr>
-        <p:txBody>
-          <a:bodyPr/>
-          <a:lstStyle/>
-          <a:p>
-            <a:r>
-              <a:rPr lang="en-US" sz="3200" b="1" dirty="0">
-                <a:solidFill>
-                  <a:schemeClr val="bg2"/>
-                </a:solidFill>
-                <a:latin typeface="Tahoma" charset="0"/>
-              </a:rPr>
-              <a:t>Data visualization</a:t>
-            </a:r>
-            <a:endParaRPr lang="uk-UA" sz="3200" b="1" dirty="0">
-              <a:solidFill>
-                <a:schemeClr val="bg2"/>
-              </a:solidFill>
-              <a:latin typeface="Tahoma" charset="0"/>
-            </a:endParaRPr>
-          </a:p>
-        </p:txBody>
-      </p:sp>
-      <p:sp>
-        <p:nvSpPr>
-          <p:cNvPr id="36867" name="Rectangle 3"/>
-          <p:cNvSpPr>
-            <a:spLocks noGrp="1" noChangeArrowheads="1"/>
-          </p:cNvSpPr>
-          <p:nvPr>
-            <p:ph type="body" idx="1"/>
-          </p:nvPr>
-        </p:nvSpPr>
-        <p:spPr>
-          <a:xfrm>
-            <a:off x="1187450" y="2492375"/>
-            <a:ext cx="7632700" cy="4105275"/>
-          </a:xfrm>
-        </p:spPr>
-        <p:txBody>
-          <a:bodyPr/>
-          <a:lstStyle/>
-          <a:p>
-            <a:pPr>
-              <a:lnSpc>
-                <a:spcPct val="80000"/>
-              </a:lnSpc>
-            </a:pPr>
-            <a:endParaRPr lang="en-US" altLang="ko-KR" sz="2000" dirty="0">
-              <a:latin typeface="Verdana" pitchFamily="34" charset="0"/>
-              <a:ea typeface="굴림" charset="-127"/>
-            </a:endParaRPr>
-          </a:p>
-          <a:p>
-            <a:pPr>
-              <a:lnSpc>
-                <a:spcPct val="80000"/>
-              </a:lnSpc>
-            </a:pPr>
-            <a:endParaRPr lang="uk-UA" sz="2000" dirty="0"/>
-          </a:p>
-        </p:txBody>
-      </p:sp>
-      <p:pic>
-        <p:nvPicPr>
           <p:cNvPr id="2" name="Picture 1"/>
           <p:cNvPicPr>
             <a:picLocks noChangeAspect="1"/>
@@ -4794,7 +4669,7 @@
 </p:sld>
 </file>
 
-<file path=ppt/slides/slide23.xml><?xml version="1.0" encoding="utf-8"?>
+<file path=ppt/slides/slide22.xml><?xml version="1.0" encoding="utf-8"?>
 <p:sld xmlns:a="http://schemas.openxmlformats.org/drawingml/2006/main" xmlns:r="http://schemas.openxmlformats.org/officeDocument/2006/relationships" xmlns:p="http://schemas.openxmlformats.org/presentationml/2006/main">
   <p:cSld>
     <p:spTree>
@@ -5547,7 +5422,7 @@
 </file>
 
 <file path=ppt/slides/slide6.xml><?xml version="1.0" encoding="utf-8"?>
-<p:sld xmlns:a="http://schemas.openxmlformats.org/drawingml/2006/main" xmlns:r="http://schemas.openxmlformats.org/officeDocument/2006/relationships" xmlns:p="http://schemas.openxmlformats.org/presentationml/2006/main">
+<p:sld xmlns:a="http://schemas.openxmlformats.org/drawingml/2006/main" xmlns:r="http://schemas.openxmlformats.org/officeDocument/2006/relationships" xmlns:p="http://schemas.openxmlformats.org/presentationml/2006/main" show="0">
   <p:cSld>
     <p:spTree>
       <p:nvGrpSpPr>
@@ -5575,8 +5450,8 @@
         </p:nvSpPr>
         <p:spPr>
           <a:xfrm>
-            <a:off x="5508625" y="1628775"/>
-            <a:ext cx="2952750" cy="649288"/>
+            <a:off x="4067944" y="1628775"/>
+            <a:ext cx="4393431" cy="649288"/>
           </a:xfrm>
         </p:spPr>
         <p:txBody>
@@ -5590,7 +5465,7 @@
                 </a:solidFill>
                 <a:latin typeface="Tahoma" charset="0"/>
               </a:rPr>
-              <a:t>Dataset</a:t>
+              <a:t>Data preprocessing</a:t>
             </a:r>
             <a:endParaRPr lang="uk-UA" sz="3200" b="1" dirty="0">
               <a:solidFill>
@@ -5632,74 +5507,90 @@
             </a:endParaRPr>
           </a:p>
           <a:p>
-            <a:pPr marL="0" indent="0">
+            <a:r>
+              <a:rPr lang="en-US" sz="2000" dirty="0"/>
+              <a:t>We dropped the rows that have missing values with less than 0.001 of the total amount of rows  </a:t>
+            </a:r>
+            <a:endParaRPr lang="en-US" sz="2000" dirty="0"/>
+          </a:p>
+          <a:p>
+            <a:r>
+              <a:rPr lang="en-US" sz="2000" dirty="0"/>
+              <a:t/>
+            </a:r>
+            <a:br>
+              <a:rPr lang="en-US" sz="2000" dirty="0"/>
+            </a:br>
+            <a:r>
+              <a:rPr lang="en-US" sz="2000" dirty="0"/>
+              <a:t>We had 3 features (</a:t>
+            </a:r>
+            <a:r>
+              <a:rPr lang="en-US" sz="2000" dirty="0" err="1"/>
+              <a:t>EmployerCategory</a:t>
+            </a:r>
+            <a:r>
+              <a:rPr lang="en-US" sz="2000" dirty="0"/>
+              <a:t>, </a:t>
+            </a:r>
+            <a:r>
+              <a:rPr lang="en-US" sz="2000" dirty="0" err="1"/>
+              <a:t>PaymentFrequency</a:t>
+            </a:r>
+            <a:r>
+              <a:rPr lang="en-US" sz="2000" dirty="0"/>
+              <a:t>, </a:t>
+            </a:r>
+            <a:r>
+              <a:rPr lang="en-US" sz="2000" dirty="0" err="1"/>
+              <a:t>EmploymentStatus</a:t>
+            </a:r>
+            <a:r>
+              <a:rPr lang="en-US" sz="2000" dirty="0"/>
+              <a:t>) that have missing values more than .001 so we fill these missing values with mode as they are categorical data.</a:t>
+            </a:r>
+          </a:p>
+          <a:p>
+            <a:r>
+              <a:rPr lang="en-US" sz="2000" dirty="0"/>
+              <a:t/>
+            </a:r>
+            <a:br>
+              <a:rPr lang="en-US" sz="2000" dirty="0"/>
+            </a:br>
+            <a:r>
+              <a:rPr lang="en-US" sz="2000" dirty="0"/>
+              <a:t>We had also 1 numerical feature (TotalCustomerDeposits) with missing values, and we used the mean to fill those missing values.</a:t>
+            </a:r>
+          </a:p>
+          <a:p>
+            <a:pPr>
               <a:lnSpc>
                 <a:spcPct val="80000"/>
               </a:lnSpc>
-              <a:buNone/>
             </a:pPr>
-            <a:endParaRPr lang="en-US" altLang="ko-KR" sz="2000" dirty="0">
-              <a:latin typeface="Verdana" pitchFamily="34" charset="0"/>
-              <a:ea typeface="굴림" charset="-127"/>
-            </a:endParaRPr>
-          </a:p>
-          <a:p>
-            <a:r>
-              <a:rPr lang="en-US" sz="2000" dirty="0"/>
-              <a:t>Data set Consisting of  81692 rows that represent customers who have borrowed from the </a:t>
-            </a:r>
-            <a:r>
-              <a:rPr lang="en-US" sz="2000" dirty="0" smtClean="0"/>
-              <a:t>bank.</a:t>
-            </a:r>
-            <a:endParaRPr lang="en-US" sz="2000" dirty="0"/>
-          </a:p>
-          <a:p>
-            <a:pPr marL="0" indent="0">
-              <a:lnSpc>
-                <a:spcPct val="80000"/>
-              </a:lnSpc>
-              <a:buNone/>
-            </a:pPr>
-            <a:endParaRPr lang="en-US" sz="2000" dirty="0"/>
-          </a:p>
-          <a:p>
-            <a:r>
-              <a:rPr lang="en-US" sz="2000" dirty="0"/>
-              <a:t>Data set have 56 features for various aspects   such as (Gender, age, nationality, Marital status employment status, employer category, occupation, Customer deposits, Income</a:t>
-            </a:r>
-          </a:p>
-          <a:p>
-            <a:pPr marL="0" indent="0">
-              <a:buNone/>
-            </a:pPr>
-            <a:r>
-              <a:rPr lang="en-US" sz="2000" dirty="0"/>
-              <a:t>      Salary transfer., Interest Rate</a:t>
-            </a:r>
-            <a:r>
-              <a:rPr lang="en-US" sz="2000" dirty="0" smtClean="0"/>
-              <a:t>…).</a:t>
-            </a:r>
-          </a:p>
-          <a:p>
-            <a:pPr marL="0" indent="0">
-              <a:buNone/>
-            </a:pPr>
-            <a:endParaRPr lang="en-US" sz="2000" dirty="0"/>
+            <a:endParaRPr lang="uk-UA" sz="2000" dirty="0"/>
           </a:p>
         </p:txBody>
       </p:sp>
     </p:spTree>
     <p:extLst>
       <p:ext uri="{BB962C8B-B14F-4D97-AF65-F5344CB8AC3E}">
-        <p14:creationId xmlns:p14="http://schemas.microsoft.com/office/powerpoint/2010/main" val="4230108847"/>
+        <p14:creationId xmlns:p14="http://schemas.microsoft.com/office/powerpoint/2010/main" val="3880907151"/>
       </p:ext>
     </p:extLst>
   </p:cSld>
   <p:clrMapOvr>
     <a:masterClrMapping/>
   </p:clrMapOvr>
+  <mc:AlternateContent xmlns:mc="http://schemas.openxmlformats.org/markup-compatibility/2006">
+    <mc:Choice xmlns:p14="http://schemas.microsoft.com/office/powerpoint/2010/main" Requires="p14">
+      <p:transition spd="slow" p14:dur="2000"/>
+    </mc:Choice>
+    <mc:Fallback>
+      <p:transition spd="slow"/>
+    </mc:Fallback>
+  </mc:AlternateContent>
 </p:sld>
 </file>
 
@@ -5791,9 +5682,16 @@
           <a:p>
             <a:r>
               <a:rPr lang="en-US" sz="2000" dirty="0"/>
-              <a:t>We dropped the rows that have missing values with less than 0.001 of the total amount of rows  </a:t>
-            </a:r>
-            <a:endParaRPr lang="en-US" sz="2000" dirty="0"/>
+              <a:t>Added a new label column to indicate that the customer is in default or not based on </a:t>
+            </a:r>
+            <a:r>
+              <a:rPr lang="en-US" sz="2000" dirty="0" err="1"/>
+              <a:t>NoDaysDelinquent</a:t>
+            </a:r>
+            <a:r>
+              <a:rPr lang="en-US" sz="2000" dirty="0"/>
+              <a:t> column ( if &gt;= 90) then there is a default in loan, this is determined based on the discussion with the business unit.</a:t>
+            </a:r>
           </a:p>
           <a:p>
             <a:r>
@@ -5805,31 +5703,7 @@
             </a:br>
             <a:r>
               <a:rPr lang="en-US" sz="2000" dirty="0"/>
-              <a:t>We had 3 features (</a:t>
-            </a:r>
-            <a:r>
-              <a:rPr lang="en-US" sz="2000" dirty="0" err="1"/>
-              <a:t>EmployerCategory</a:t>
-            </a:r>
-            <a:r>
-              <a:rPr lang="en-US" sz="2000" dirty="0"/>
-              <a:t>, </a:t>
-            </a:r>
-            <a:r>
-              <a:rPr lang="en-US" sz="2000" dirty="0" err="1"/>
-              <a:t>PaymentFrequency</a:t>
-            </a:r>
-            <a:r>
-              <a:rPr lang="en-US" sz="2000" dirty="0"/>
-              <a:t>, </a:t>
-            </a:r>
-            <a:r>
-              <a:rPr lang="en-US" sz="2000" dirty="0" err="1"/>
-              <a:t>EmploymentStatus</a:t>
-            </a:r>
-            <a:r>
-              <a:rPr lang="en-US" sz="2000" dirty="0"/>
-              <a:t>) that have missing values more than .001 so we fill these missing values with mode as they are categorical data.</a:t>
+              <a:t>Some of the features were dropped based also on the discussion with the business unit like ‘customer ID’.</a:t>
             </a:r>
           </a:p>
           <a:p>
@@ -5842,7 +5716,7 @@
             </a:br>
             <a:r>
               <a:rPr lang="en-US" sz="2000" dirty="0"/>
-              <a:t>We had also 1 numerical feature (TotalCustomerDeposits) with missing values, and we used the mean to fill those missing values.</a:t>
+              <a:t>Then the correlation matrix was formed, and the highly correlated features ( &gt;=0.8) were dropped</a:t>
             </a:r>
           </a:p>
           <a:p>
@@ -5858,7 +5732,7 @@
     </p:spTree>
     <p:extLst>
       <p:ext uri="{BB962C8B-B14F-4D97-AF65-F5344CB8AC3E}">
-        <p14:creationId xmlns:p14="http://schemas.microsoft.com/office/powerpoint/2010/main" val="3880907151"/>
+        <p14:creationId xmlns:p14="http://schemas.microsoft.com/office/powerpoint/2010/main" val="3390014226"/>
       </p:ext>
     </p:extLst>
   </p:cSld>
@@ -5951,28 +5825,9 @@
           <a:bodyPr/>
           <a:lstStyle/>
           <a:p>
-            <a:pPr>
-              <a:lnSpc>
-                <a:spcPct val="80000"/>
-              </a:lnSpc>
-            </a:pPr>
-            <a:endParaRPr lang="en-US" altLang="ko-KR" sz="2000" dirty="0">
-              <a:latin typeface="Verdana" pitchFamily="34" charset="0"/>
-              <a:ea typeface="굴림" charset="-127"/>
-            </a:endParaRPr>
-          </a:p>
-          <a:p>
             <a:r>
               <a:rPr lang="en-US" sz="2000" dirty="0"/>
-              <a:t>Added a new label column to indicate that the customer is in default or not based on </a:t>
-            </a:r>
-            <a:r>
-              <a:rPr lang="en-US" sz="2000" dirty="0" err="1"/>
-              <a:t>NoDaysDelinquent</a:t>
-            </a:r>
-            <a:r>
-              <a:rPr lang="en-US" sz="2000" dirty="0"/>
-              <a:t> column ( if &gt;= 90) then there is a default in loan, this is determined based on the discussion with the business unit.</a:t>
+              <a:t>A manual(label encoding of 0 and 1) encoding was done for the features that had the binary values (like yes and no)</a:t>
             </a:r>
           </a:p>
           <a:p>
@@ -5985,20 +5840,7 @@
             </a:br>
             <a:r>
               <a:rPr lang="en-US" sz="2000" dirty="0"/>
-              <a:t>Some of the features were dropped based also on the discussion with the business unit like ‘customer ID’.</a:t>
-            </a:r>
-          </a:p>
-          <a:p>
-            <a:r>
-              <a:rPr lang="en-US" sz="2000" dirty="0"/>
-              <a:t/>
-            </a:r>
-            <a:br>
-              <a:rPr lang="en-US" sz="2000" dirty="0"/>
-            </a:br>
-            <a:r>
-              <a:rPr lang="en-US" sz="2000" dirty="0"/>
-              <a:t>Then the correlation matrix was formed, and the highly correlated features ( &gt;=0.8) were dropped</a:t>
+              <a:t>Apply One Hot Encoding for all other attributes</a:t>
             </a:r>
           </a:p>
           <a:p>
@@ -6014,7 +5856,7 @@
     </p:spTree>
     <p:extLst>
       <p:ext uri="{BB962C8B-B14F-4D97-AF65-F5344CB8AC3E}">
-        <p14:creationId xmlns:p14="http://schemas.microsoft.com/office/powerpoint/2010/main" val="3390014226"/>
+        <p14:creationId xmlns:p14="http://schemas.microsoft.com/office/powerpoint/2010/main" val="1177134487"/>
       </p:ext>
     </p:extLst>
   </p:cSld>
@@ -6138,7 +5980,7 @@
     </p:spTree>
     <p:extLst>
       <p:ext uri="{BB962C8B-B14F-4D97-AF65-F5344CB8AC3E}">
-        <p14:creationId xmlns:p14="http://schemas.microsoft.com/office/powerpoint/2010/main" val="1177134487"/>
+        <p14:creationId xmlns:p14="http://schemas.microsoft.com/office/powerpoint/2010/main" val="3522891338"/>
       </p:ext>
     </p:extLst>
   </p:cSld>
